--- a/Image clasification multilabel.pptx
+++ b/Image clasification multilabel.pptx
@@ -7,10 +7,13 @@
   <p:sldIdLst>
     <p:sldId id="256" r:id="rId2"/>
     <p:sldId id="257" r:id="rId3"/>
-    <p:sldId id="258" r:id="rId4"/>
-    <p:sldId id="261" r:id="rId5"/>
-    <p:sldId id="260" r:id="rId6"/>
-    <p:sldId id="259" r:id="rId7"/>
+    <p:sldId id="264" r:id="rId4"/>
+    <p:sldId id="258" r:id="rId5"/>
+    <p:sldId id="261" r:id="rId6"/>
+    <p:sldId id="262" r:id="rId7"/>
+    <p:sldId id="263" r:id="rId8"/>
+    <p:sldId id="260" r:id="rId9"/>
+    <p:sldId id="265" r:id="rId10"/>
   </p:sldIdLst>
   <p:sldSz cx="12192000" cy="6858000"/>
   <p:notesSz cx="6858000" cy="9144000"/>
@@ -109,6 +112,11 @@
       </a:defRPr>
     </a:lvl9pPr>
   </p:defaultTextStyle>
+  <p:extLst>
+    <p:ext uri="{EFAFB233-063F-42B5-8137-9DF3F51BA10A}">
+      <p15:sldGuideLst xmlns:p15="http://schemas.microsoft.com/office/powerpoint/2012/main"/>
+    </p:ext>
+  </p:extLst>
 </p:presentation>
 </file>
 
@@ -243,7 +251,7 @@
           <a:p>
             <a:fld id="{EE1D1D0C-BBF0-4890-A8A4-FA5AD79CDE68}" type="datetimeFigureOut">
               <a:rPr lang="es-CL" smtClean="0"/>
-              <a:t>10-08-2020</a:t>
+              <a:t>16-08-2020</a:t>
             </a:fld>
             <a:endParaRPr lang="es-CL"/>
           </a:p>
@@ -413,7 +421,7 @@
           <a:p>
             <a:fld id="{EE1D1D0C-BBF0-4890-A8A4-FA5AD79CDE68}" type="datetimeFigureOut">
               <a:rPr lang="es-CL" smtClean="0"/>
-              <a:t>10-08-2020</a:t>
+              <a:t>16-08-2020</a:t>
             </a:fld>
             <a:endParaRPr lang="es-CL"/>
           </a:p>
@@ -593,7 +601,7 @@
           <a:p>
             <a:fld id="{EE1D1D0C-BBF0-4890-A8A4-FA5AD79CDE68}" type="datetimeFigureOut">
               <a:rPr lang="es-CL" smtClean="0"/>
-              <a:t>10-08-2020</a:t>
+              <a:t>16-08-2020</a:t>
             </a:fld>
             <a:endParaRPr lang="es-CL"/>
           </a:p>
@@ -673,6 +681,72 @@
       </p:grpSpPr>
       <p:sp>
         <p:nvSpPr>
+          <p:cNvPr id="7" name="Rectángulo 6"/>
+          <p:cNvSpPr/>
+          <p:nvPr userDrawn="1"/>
+        </p:nvSpPr>
+        <p:spPr>
+          <a:xfrm>
+            <a:off x="10795819" y="5648633"/>
+            <a:ext cx="1396181" cy="1207268"/>
+          </a:xfrm>
+          <a:prstGeom prst="rect">
+            <a:avLst/>
+          </a:prstGeom>
+          <a:blipFill dpi="0" rotWithShape="1">
+            <a:blip r:embed="rId2">
+              <a:alphaModFix amt="44000"/>
+              <a:extLst>
+                <a:ext uri="{BEBA8EAE-BF5A-486C-A8C5-ECC9F3942E4B}">
+                  <a14:imgProps xmlns:a14="http://schemas.microsoft.com/office/drawing/2010/main">
+                    <a14:imgLayer r:embed="rId3">
+                      <a14:imgEffect>
+                        <a14:sharpenSoften amount="50000"/>
+                      </a14:imgEffect>
+                    </a14:imgLayer>
+                  </a14:imgProps>
+                </a:ext>
+                <a:ext uri="{28A0092B-C50C-407E-A947-70E740481C1C}">
+                  <a14:useLocalDpi xmlns:a14="http://schemas.microsoft.com/office/drawing/2010/main" val="0"/>
+                </a:ext>
+              </a:extLst>
+            </a:blip>
+            <a:srcRect/>
+            <a:stretch>
+              <a:fillRect l="1017" r="-336"/>
+            </a:stretch>
+          </a:blipFill>
+          <a:ln>
+            <a:noFill/>
+          </a:ln>
+        </p:spPr>
+        <p:style>
+          <a:lnRef idx="2">
+            <a:schemeClr val="accent1">
+              <a:shade val="50000"/>
+            </a:schemeClr>
+          </a:lnRef>
+          <a:fillRef idx="1">
+            <a:schemeClr val="accent1"/>
+          </a:fillRef>
+          <a:effectRef idx="0">
+            <a:schemeClr val="accent1"/>
+          </a:effectRef>
+          <a:fontRef idx="minor">
+            <a:schemeClr val="lt1"/>
+          </a:fontRef>
+        </p:style>
+        <p:txBody>
+          <a:bodyPr rtlCol="0" anchor="ctr"/>
+          <a:lstStyle/>
+          <a:p>
+            <a:pPr algn="ctr"/>
+            <a:endParaRPr lang="es-CL"/>
+          </a:p>
+        </p:txBody>
+      </p:sp>
+      <p:sp>
+        <p:nvSpPr>
           <p:cNvPr id="2" name="Título 1"/>
           <p:cNvSpPr>
             <a:spLocks noGrp="1"/>
@@ -704,7 +778,12 @@
             <p:ph idx="1"/>
           </p:nvPr>
         </p:nvSpPr>
-        <p:spPr/>
+        <p:spPr>
+          <a:xfrm>
+            <a:off x="838200" y="1825625"/>
+            <a:ext cx="9175955" cy="4351338"/>
+          </a:xfrm>
+        </p:spPr>
         <p:txBody>
           <a:bodyPr/>
           <a:lstStyle/>
@@ -763,7 +842,7 @@
           <a:p>
             <a:fld id="{EE1D1D0C-BBF0-4890-A8A4-FA5AD79CDE68}" type="datetimeFigureOut">
               <a:rPr lang="es-CL" smtClean="0"/>
-              <a:t>10-08-2020</a:t>
+              <a:t>16-08-2020</a:t>
             </a:fld>
             <a:endParaRPr lang="es-CL"/>
           </a:p>
@@ -1009,7 +1088,7 @@
           <a:p>
             <a:fld id="{EE1D1D0C-BBF0-4890-A8A4-FA5AD79CDE68}" type="datetimeFigureOut">
               <a:rPr lang="es-CL" smtClean="0"/>
-              <a:t>10-08-2020</a:t>
+              <a:t>16-08-2020</a:t>
             </a:fld>
             <a:endParaRPr lang="es-CL"/>
           </a:p>
@@ -1053,6 +1132,72 @@
               <a:rPr lang="es-CL" smtClean="0"/>
               <a:t>‹Nº›</a:t>
             </a:fld>
+            <a:endParaRPr lang="es-CL"/>
+          </a:p>
+        </p:txBody>
+      </p:sp>
+      <p:sp>
+        <p:nvSpPr>
+          <p:cNvPr id="7" name="Rectángulo 6"/>
+          <p:cNvSpPr/>
+          <p:nvPr userDrawn="1"/>
+        </p:nvSpPr>
+        <p:spPr>
+          <a:xfrm>
+            <a:off x="11100619" y="5856799"/>
+            <a:ext cx="1091381" cy="999101"/>
+          </a:xfrm>
+          <a:prstGeom prst="rect">
+            <a:avLst/>
+          </a:prstGeom>
+          <a:blipFill dpi="0" rotWithShape="1">
+            <a:blip r:embed="rId2">
+              <a:alphaModFix amt="44000"/>
+              <a:extLst>
+                <a:ext uri="{BEBA8EAE-BF5A-486C-A8C5-ECC9F3942E4B}">
+                  <a14:imgProps xmlns:a14="http://schemas.microsoft.com/office/drawing/2010/main">
+                    <a14:imgLayer r:embed="rId3">
+                      <a14:imgEffect>
+                        <a14:sharpenSoften amount="50000"/>
+                      </a14:imgEffect>
+                    </a14:imgLayer>
+                  </a14:imgProps>
+                </a:ext>
+                <a:ext uri="{28A0092B-C50C-407E-A947-70E740481C1C}">
+                  <a14:useLocalDpi xmlns:a14="http://schemas.microsoft.com/office/drawing/2010/main" val="0"/>
+                </a:ext>
+              </a:extLst>
+            </a:blip>
+            <a:srcRect/>
+            <a:stretch>
+              <a:fillRect l="1017" r="-336"/>
+            </a:stretch>
+          </a:blipFill>
+          <a:ln>
+            <a:noFill/>
+          </a:ln>
+        </p:spPr>
+        <p:style>
+          <a:lnRef idx="2">
+            <a:schemeClr val="accent1">
+              <a:shade val="50000"/>
+            </a:schemeClr>
+          </a:lnRef>
+          <a:fillRef idx="1">
+            <a:schemeClr val="accent1"/>
+          </a:fillRef>
+          <a:effectRef idx="0">
+            <a:schemeClr val="accent1"/>
+          </a:effectRef>
+          <a:fontRef idx="minor">
+            <a:schemeClr val="lt1"/>
+          </a:fontRef>
+        </p:style>
+        <p:txBody>
+          <a:bodyPr rtlCol="0" anchor="ctr"/>
+          <a:lstStyle/>
+          <a:p>
+            <a:pPr algn="ctr"/>
             <a:endParaRPr lang="es-CL"/>
           </a:p>
         </p:txBody>
@@ -1241,7 +1386,7 @@
           <a:p>
             <a:fld id="{EE1D1D0C-BBF0-4890-A8A4-FA5AD79CDE68}" type="datetimeFigureOut">
               <a:rPr lang="es-CL" smtClean="0"/>
-              <a:t>10-08-2020</a:t>
+              <a:t>16-08-2020</a:t>
             </a:fld>
             <a:endParaRPr lang="es-CL"/>
           </a:p>
@@ -1285,6 +1430,72 @@
               <a:rPr lang="es-CL" smtClean="0"/>
               <a:t>‹Nº›</a:t>
             </a:fld>
+            <a:endParaRPr lang="es-CL"/>
+          </a:p>
+        </p:txBody>
+      </p:sp>
+      <p:sp>
+        <p:nvSpPr>
+          <p:cNvPr id="8" name="Rectángulo 7"/>
+          <p:cNvSpPr/>
+          <p:nvPr userDrawn="1"/>
+        </p:nvSpPr>
+        <p:spPr>
+          <a:xfrm>
+            <a:off x="11100619" y="5856799"/>
+            <a:ext cx="1091381" cy="999101"/>
+          </a:xfrm>
+          <a:prstGeom prst="rect">
+            <a:avLst/>
+          </a:prstGeom>
+          <a:blipFill dpi="0" rotWithShape="1">
+            <a:blip r:embed="rId2">
+              <a:alphaModFix amt="44000"/>
+              <a:extLst>
+                <a:ext uri="{BEBA8EAE-BF5A-486C-A8C5-ECC9F3942E4B}">
+                  <a14:imgProps xmlns:a14="http://schemas.microsoft.com/office/drawing/2010/main">
+                    <a14:imgLayer r:embed="rId3">
+                      <a14:imgEffect>
+                        <a14:sharpenSoften amount="50000"/>
+                      </a14:imgEffect>
+                    </a14:imgLayer>
+                  </a14:imgProps>
+                </a:ext>
+                <a:ext uri="{28A0092B-C50C-407E-A947-70E740481C1C}">
+                  <a14:useLocalDpi xmlns:a14="http://schemas.microsoft.com/office/drawing/2010/main" val="0"/>
+                </a:ext>
+              </a:extLst>
+            </a:blip>
+            <a:srcRect/>
+            <a:stretch>
+              <a:fillRect l="1017" r="-336"/>
+            </a:stretch>
+          </a:blipFill>
+          <a:ln>
+            <a:noFill/>
+          </a:ln>
+        </p:spPr>
+        <p:style>
+          <a:lnRef idx="2">
+            <a:schemeClr val="accent1">
+              <a:shade val="50000"/>
+            </a:schemeClr>
+          </a:lnRef>
+          <a:fillRef idx="1">
+            <a:schemeClr val="accent1"/>
+          </a:fillRef>
+          <a:effectRef idx="0">
+            <a:schemeClr val="accent1"/>
+          </a:effectRef>
+          <a:fontRef idx="minor">
+            <a:schemeClr val="lt1"/>
+          </a:fontRef>
+        </p:style>
+        <p:txBody>
+          <a:bodyPr rtlCol="0" anchor="ctr"/>
+          <a:lstStyle/>
+          <a:p>
+            <a:pPr algn="ctr"/>
             <a:endParaRPr lang="es-CL"/>
           </a:p>
         </p:txBody>
@@ -1608,7 +1819,7 @@
           <a:p>
             <a:fld id="{EE1D1D0C-BBF0-4890-A8A4-FA5AD79CDE68}" type="datetimeFigureOut">
               <a:rPr lang="es-CL" smtClean="0"/>
-              <a:t>10-08-2020</a:t>
+              <a:t>16-08-2020</a:t>
             </a:fld>
             <a:endParaRPr lang="es-CL"/>
           </a:p>
@@ -1652,6 +1863,72 @@
               <a:rPr lang="es-CL" smtClean="0"/>
               <a:t>‹Nº›</a:t>
             </a:fld>
+            <a:endParaRPr lang="es-CL"/>
+          </a:p>
+        </p:txBody>
+      </p:sp>
+      <p:sp>
+        <p:nvSpPr>
+          <p:cNvPr id="10" name="Rectángulo 9"/>
+          <p:cNvSpPr/>
+          <p:nvPr userDrawn="1"/>
+        </p:nvSpPr>
+        <p:spPr>
+          <a:xfrm>
+            <a:off x="11100619" y="5856799"/>
+            <a:ext cx="1091381" cy="999101"/>
+          </a:xfrm>
+          <a:prstGeom prst="rect">
+            <a:avLst/>
+          </a:prstGeom>
+          <a:blipFill dpi="0" rotWithShape="1">
+            <a:blip r:embed="rId2">
+              <a:alphaModFix amt="44000"/>
+              <a:extLst>
+                <a:ext uri="{BEBA8EAE-BF5A-486C-A8C5-ECC9F3942E4B}">
+                  <a14:imgProps xmlns:a14="http://schemas.microsoft.com/office/drawing/2010/main">
+                    <a14:imgLayer r:embed="rId3">
+                      <a14:imgEffect>
+                        <a14:sharpenSoften amount="50000"/>
+                      </a14:imgEffect>
+                    </a14:imgLayer>
+                  </a14:imgProps>
+                </a:ext>
+                <a:ext uri="{28A0092B-C50C-407E-A947-70E740481C1C}">
+                  <a14:useLocalDpi xmlns:a14="http://schemas.microsoft.com/office/drawing/2010/main" val="0"/>
+                </a:ext>
+              </a:extLst>
+            </a:blip>
+            <a:srcRect/>
+            <a:stretch>
+              <a:fillRect l="1017" r="-336"/>
+            </a:stretch>
+          </a:blipFill>
+          <a:ln>
+            <a:noFill/>
+          </a:ln>
+        </p:spPr>
+        <p:style>
+          <a:lnRef idx="2">
+            <a:schemeClr val="accent1">
+              <a:shade val="50000"/>
+            </a:schemeClr>
+          </a:lnRef>
+          <a:fillRef idx="1">
+            <a:schemeClr val="accent1"/>
+          </a:fillRef>
+          <a:effectRef idx="0">
+            <a:schemeClr val="accent1"/>
+          </a:effectRef>
+          <a:fontRef idx="minor">
+            <a:schemeClr val="lt1"/>
+          </a:fontRef>
+        </p:style>
+        <p:txBody>
+          <a:bodyPr rtlCol="0" anchor="ctr"/>
+          <a:lstStyle/>
+          <a:p>
+            <a:pPr algn="ctr"/>
             <a:endParaRPr lang="es-CL"/>
           </a:p>
         </p:txBody>
@@ -1726,7 +2003,7 @@
           <a:p>
             <a:fld id="{EE1D1D0C-BBF0-4890-A8A4-FA5AD79CDE68}" type="datetimeFigureOut">
               <a:rPr lang="es-CL" smtClean="0"/>
-              <a:t>10-08-2020</a:t>
+              <a:t>16-08-2020</a:t>
             </a:fld>
             <a:endParaRPr lang="es-CL"/>
           </a:p>
@@ -1821,7 +2098,7 @@
           <a:p>
             <a:fld id="{EE1D1D0C-BBF0-4890-A8A4-FA5AD79CDE68}" type="datetimeFigureOut">
               <a:rPr lang="es-CL" smtClean="0"/>
-              <a:t>10-08-2020</a:t>
+              <a:t>16-08-2020</a:t>
             </a:fld>
             <a:endParaRPr lang="es-CL"/>
           </a:p>
@@ -2098,7 +2375,7 @@
           <a:p>
             <a:fld id="{EE1D1D0C-BBF0-4890-A8A4-FA5AD79CDE68}" type="datetimeFigureOut">
               <a:rPr lang="es-CL" smtClean="0"/>
-              <a:t>10-08-2020</a:t>
+              <a:t>16-08-2020</a:t>
             </a:fld>
             <a:endParaRPr lang="es-CL"/>
           </a:p>
@@ -2351,7 +2628,7 @@
           <a:p>
             <a:fld id="{EE1D1D0C-BBF0-4890-A8A4-FA5AD79CDE68}" type="datetimeFigureOut">
               <a:rPr lang="es-CL" smtClean="0"/>
-              <a:t>10-08-2020</a:t>
+              <a:t>16-08-2020</a:t>
             </a:fld>
             <a:endParaRPr lang="es-CL"/>
           </a:p>
@@ -2416,9 +2693,19 @@
 <p:sldMaster xmlns:a="http://schemas.openxmlformats.org/drawingml/2006/main" xmlns:r="http://schemas.openxmlformats.org/officeDocument/2006/relationships" xmlns:p="http://schemas.openxmlformats.org/presentationml/2006/main">
   <p:cSld>
     <p:bg>
-      <p:bgRef idx="1001">
-        <a:schemeClr val="bg1"/>
-      </p:bgRef>
+      <p:bgPr>
+        <a:blipFill dpi="0" rotWithShape="1">
+          <a:blip r:embed="rId13">
+            <a:alphaModFix amt="21000"/>
+            <a:lum/>
+          </a:blip>
+          <a:srcRect/>
+          <a:stretch>
+            <a:fillRect/>
+          </a:stretch>
+        </a:blipFill>
+        <a:effectLst/>
+      </p:bgPr>
     </p:bg>
     <p:spTree>
       <p:nvGrpSpPr>
@@ -2564,7 +2851,7 @@
           <a:p>
             <a:fld id="{EE1D1D0C-BBF0-4890-A8A4-FA5AD79CDE68}" type="datetimeFigureOut">
               <a:rPr lang="es-CL" smtClean="0"/>
-              <a:t>10-08-2020</a:t>
+              <a:t>16-08-2020</a:t>
             </a:fld>
             <a:endParaRPr lang="es-CL"/>
           </a:p>
@@ -2644,6 +2931,72 @@
               <a:rPr lang="es-CL" smtClean="0"/>
               <a:t>‹Nº›</a:t>
             </a:fld>
+            <a:endParaRPr lang="es-CL"/>
+          </a:p>
+        </p:txBody>
+      </p:sp>
+      <p:sp>
+        <p:nvSpPr>
+          <p:cNvPr id="7" name="Rectángulo 6"/>
+          <p:cNvSpPr/>
+          <p:nvPr userDrawn="1"/>
+        </p:nvSpPr>
+        <p:spPr>
+          <a:xfrm>
+            <a:off x="10795819" y="5648633"/>
+            <a:ext cx="1396181" cy="1207268"/>
+          </a:xfrm>
+          <a:prstGeom prst="rect">
+            <a:avLst/>
+          </a:prstGeom>
+          <a:blipFill dpi="0" rotWithShape="1">
+            <a:blip r:embed="rId14">
+              <a:alphaModFix amt="44000"/>
+              <a:extLst>
+                <a:ext uri="{BEBA8EAE-BF5A-486C-A8C5-ECC9F3942E4B}">
+                  <a14:imgProps xmlns:a14="http://schemas.microsoft.com/office/drawing/2010/main">
+                    <a14:imgLayer r:embed="rId15">
+                      <a14:imgEffect>
+                        <a14:sharpenSoften amount="50000"/>
+                      </a14:imgEffect>
+                    </a14:imgLayer>
+                  </a14:imgProps>
+                </a:ext>
+                <a:ext uri="{28A0092B-C50C-407E-A947-70E740481C1C}">
+                  <a14:useLocalDpi xmlns:a14="http://schemas.microsoft.com/office/drawing/2010/main" val="0"/>
+                </a:ext>
+              </a:extLst>
+            </a:blip>
+            <a:srcRect/>
+            <a:stretch>
+              <a:fillRect l="1017" r="-336"/>
+            </a:stretch>
+          </a:blipFill>
+          <a:ln>
+            <a:noFill/>
+          </a:ln>
+        </p:spPr>
+        <p:style>
+          <a:lnRef idx="2">
+            <a:schemeClr val="accent1">
+              <a:shade val="50000"/>
+            </a:schemeClr>
+          </a:lnRef>
+          <a:fillRef idx="1">
+            <a:schemeClr val="accent1"/>
+          </a:fillRef>
+          <a:effectRef idx="0">
+            <a:schemeClr val="accent1"/>
+          </a:effectRef>
+          <a:fontRef idx="minor">
+            <a:schemeClr val="lt1"/>
+          </a:fontRef>
+        </p:style>
+        <p:txBody>
+          <a:bodyPr rtlCol="0" anchor="ctr"/>
+          <a:lstStyle/>
+          <a:p>
+            <a:pPr algn="ctr"/>
             <a:endParaRPr lang="es-CL"/>
           </a:p>
         </p:txBody>
@@ -3081,7 +3434,7 @@
           <a:p>
             <a:r>
               <a:rPr lang="es-CL" dirty="0" smtClean="0"/>
-              <a:t>OBJETIVOS</a:t>
+              <a:t>OBJETIVO</a:t>
             </a:r>
             <a:endParaRPr lang="es-CL" dirty="0"/>
           </a:p>
@@ -3097,22 +3450,43 @@
             <p:ph idx="1"/>
           </p:nvPr>
         </p:nvSpPr>
-        <p:spPr/>
-        <p:txBody>
-          <a:bodyPr/>
-          <a:lstStyle/>
-          <a:p>
-            <a:r>
-              <a:rPr lang="es-CL" dirty="0" smtClean="0"/>
-              <a:t>Conceptos básicos ML</a:t>
-            </a:r>
-          </a:p>
-          <a:p>
-            <a:r>
-              <a:rPr lang="es-CL" smtClean="0"/>
-              <a:t>Por qué ML + AWS?</a:t>
-            </a:r>
-            <a:endParaRPr lang="es-CL" dirty="0" smtClean="0"/>
+        <p:spPr>
+          <a:xfrm>
+            <a:off x="838200" y="1825625"/>
+            <a:ext cx="10370574" cy="4351338"/>
+          </a:xfrm>
+        </p:spPr>
+        <p:txBody>
+          <a:bodyPr/>
+          <a:lstStyle/>
+          <a:p>
+            <a:pPr marL="0" indent="0" algn="ctr">
+              <a:buNone/>
+            </a:pPr>
+            <a:endParaRPr lang="es-CL" sz="4800" dirty="0" smtClean="0"/>
+          </a:p>
+          <a:p>
+            <a:pPr marL="0" indent="0" algn="ctr">
+              <a:buNone/>
+            </a:pPr>
+            <a:r>
+              <a:rPr lang="es-CL" sz="4800" dirty="0" smtClean="0"/>
+              <a:t>Tienes una idea?</a:t>
+            </a:r>
+          </a:p>
+          <a:p>
+            <a:pPr marL="0" indent="0" algn="ctr">
+              <a:buNone/>
+            </a:pPr>
+            <a:r>
+              <a:rPr lang="es-CL" sz="4800" dirty="0" err="1" smtClean="0"/>
+              <a:t>Voh</a:t>
+            </a:r>
+            <a:r>
+              <a:rPr lang="es-CL" sz="4800" dirty="0" smtClean="0"/>
+              <a:t>! dale</a:t>
+            </a:r>
+            <a:endParaRPr lang="es-CL" sz="4800" dirty="0" smtClean="0"/>
           </a:p>
           <a:p>
             <a:endParaRPr lang="es-CL" dirty="0"/>
@@ -3173,6 +3547,29 @@
           <a:p>
             <a:r>
               <a:rPr lang="es-CL" dirty="0" smtClean="0"/>
+              <a:t>Introducción</a:t>
+            </a:r>
+            <a:endParaRPr lang="es-CL" dirty="0"/>
+          </a:p>
+        </p:txBody>
+      </p:sp>
+      <p:sp>
+        <p:nvSpPr>
+          <p:cNvPr id="3" name="Marcador de contenido 2"/>
+          <p:cNvSpPr>
+            <a:spLocks noGrp="1"/>
+          </p:cNvSpPr>
+          <p:nvPr>
+            <p:ph idx="1"/>
+          </p:nvPr>
+        </p:nvSpPr>
+        <p:spPr/>
+        <p:txBody>
+          <a:bodyPr/>
+          <a:lstStyle/>
+          <a:p>
+            <a:r>
+              <a:rPr lang="es-CL" dirty="0" smtClean="0"/>
               <a:t>Machine </a:t>
             </a:r>
             <a:r>
@@ -3181,42 +3578,14 @@
             </a:r>
             <a:endParaRPr lang="es-CL" dirty="0"/>
           </a:p>
-        </p:txBody>
-      </p:sp>
-      <p:sp>
-        <p:nvSpPr>
-          <p:cNvPr id="3" name="Marcador de contenido 2"/>
-          <p:cNvSpPr>
-            <a:spLocks noGrp="1"/>
-          </p:cNvSpPr>
-          <p:nvPr>
-            <p:ph idx="1"/>
-          </p:nvPr>
-        </p:nvSpPr>
-        <p:spPr/>
-        <p:txBody>
-          <a:bodyPr/>
-          <a:lstStyle/>
-          <a:p>
+          <a:p>
+            <a:r>
+              <a:rPr lang="es-CL" dirty="0" smtClean="0"/>
+              <a:t>AWS </a:t>
+            </a:r>
             <a:r>
               <a:rPr lang="es-CL" dirty="0" err="1" smtClean="0"/>
-              <a:t>What</a:t>
-            </a:r>
-            <a:r>
-              <a:rPr lang="es-CL" dirty="0" smtClean="0"/>
-              <a:t> </a:t>
-            </a:r>
-            <a:r>
-              <a:rPr lang="es-CL" dirty="0" err="1" smtClean="0"/>
-              <a:t>is</a:t>
-            </a:r>
-            <a:r>
-              <a:rPr lang="es-CL" dirty="0" smtClean="0"/>
-              <a:t> Machine </a:t>
-            </a:r>
-            <a:r>
-              <a:rPr lang="es-CL" dirty="0" err="1" smtClean="0"/>
-              <a:t>learning</a:t>
+              <a:t>SageMaker</a:t>
             </a:r>
             <a:endParaRPr lang="es-CL" dirty="0" smtClean="0"/>
           </a:p>
@@ -3224,73 +3593,14 @@
             <a:endParaRPr lang="es-CL" dirty="0"/>
           </a:p>
           <a:p>
-            <a:pPr lvl="1"/>
-            <a:r>
-              <a:rPr lang="es-CL" dirty="0" smtClean="0"/>
-              <a:t>Tipos de Machine </a:t>
-            </a:r>
-            <a:r>
-              <a:rPr lang="es-CL" dirty="0" err="1" smtClean="0"/>
-              <a:t>Learning</a:t>
-            </a:r>
-            <a:endParaRPr lang="es-CL" dirty="0" smtClean="0"/>
-          </a:p>
-          <a:p>
-            <a:pPr lvl="2"/>
-            <a:r>
-              <a:rPr lang="es-CL" dirty="0" err="1"/>
-              <a:t>Supervised</a:t>
-            </a:r>
-            <a:r>
-              <a:rPr lang="es-CL" dirty="0"/>
-              <a:t> </a:t>
-            </a:r>
-            <a:r>
-              <a:rPr lang="es-CL" dirty="0" err="1"/>
-              <a:t>Learning</a:t>
-            </a:r>
             <a:endParaRPr lang="es-CL" dirty="0"/>
-          </a:p>
-          <a:p>
-            <a:pPr lvl="2"/>
-            <a:r>
-              <a:rPr lang="es-CL" dirty="0" err="1"/>
-              <a:t>Unsupervised</a:t>
-            </a:r>
-            <a:r>
-              <a:rPr lang="es-CL" dirty="0"/>
-              <a:t> </a:t>
-            </a:r>
-            <a:r>
-              <a:rPr lang="es-CL" dirty="0" err="1" smtClean="0"/>
-              <a:t>Learning</a:t>
-            </a:r>
-            <a:endParaRPr lang="es-CL" dirty="0"/>
-          </a:p>
-          <a:p>
-            <a:pPr marL="914400" lvl="2" indent="0">
-              <a:buNone/>
-            </a:pPr>
-            <a:endParaRPr lang="es-CL" dirty="0" smtClean="0"/>
-          </a:p>
-          <a:p>
-            <a:pPr marL="914400" lvl="2" indent="0">
-              <a:buNone/>
-            </a:pPr>
-            <a:endParaRPr lang="es-CL" dirty="0"/>
-          </a:p>
-          <a:p>
-            <a:pPr marL="914400" lvl="2" indent="0">
-              <a:buNone/>
-            </a:pPr>
-            <a:endParaRPr lang="es-CL" dirty="0" smtClean="0"/>
           </a:p>
         </p:txBody>
       </p:sp>
     </p:spTree>
     <p:extLst>
       <p:ext uri="{BB962C8B-B14F-4D97-AF65-F5344CB8AC3E}">
-        <p14:creationId xmlns:p14="http://schemas.microsoft.com/office/powerpoint/2010/main" val="1605835671"/>
+        <p14:creationId xmlns:p14="http://schemas.microsoft.com/office/powerpoint/2010/main" val="1675563936"/>
       </p:ext>
     </p:extLst>
   </p:cSld>
@@ -3368,11 +3678,42 @@
           <a:p>
             <a:r>
               <a:rPr lang="es-CL" dirty="0" err="1" smtClean="0"/>
-              <a:t>Algotmos</a:t>
+              <a:t>What</a:t>
             </a:r>
             <a:r>
               <a:rPr lang="es-CL" dirty="0" smtClean="0"/>
-              <a:t> de Machine </a:t>
+              <a:t> </a:t>
+            </a:r>
+            <a:r>
+              <a:rPr lang="es-CL" dirty="0" err="1" smtClean="0"/>
+              <a:t>is</a:t>
+            </a:r>
+            <a:r>
+              <a:rPr lang="es-CL" dirty="0" smtClean="0"/>
+              <a:t> Machine </a:t>
+            </a:r>
+            <a:r>
+              <a:rPr lang="es-CL" dirty="0" err="1" smtClean="0"/>
+              <a:t>learning</a:t>
+            </a:r>
+            <a:r>
+              <a:rPr lang="es-CL" dirty="0" smtClean="0"/>
+              <a:t>: </a:t>
+            </a:r>
+            <a:r>
+              <a:rPr lang="en-US" sz="2000" dirty="0"/>
+              <a:t>"A computer program is said to learn from experience E with respect to some class of tasks T and performance measure P, if its performance at tasks in T, as measured by P, improves with experience E."</a:t>
+            </a:r>
+            <a:endParaRPr lang="es-CL" sz="2000" dirty="0" smtClean="0"/>
+          </a:p>
+          <a:p>
+            <a:endParaRPr lang="es-CL" dirty="0"/>
+          </a:p>
+          <a:p>
+            <a:pPr lvl="1"/>
+            <a:r>
+              <a:rPr lang="es-CL" dirty="0" smtClean="0"/>
+              <a:t>Tipos de Machine </a:t>
             </a:r>
             <a:r>
               <a:rPr lang="es-CL" dirty="0" err="1" smtClean="0"/>
@@ -3383,37 +3724,33 @@
           <a:p>
             <a:pPr lvl="2"/>
             <a:r>
-              <a:rPr lang="es-CL" dirty="0" err="1" smtClean="0"/>
+              <a:rPr lang="es-CL" dirty="0" err="1"/>
               <a:t>Supervised</a:t>
             </a:r>
             <a:r>
-              <a:rPr lang="es-CL" dirty="0" smtClean="0"/>
+              <a:rPr lang="es-CL" dirty="0"/>
+              <a:t> </a:t>
+            </a:r>
+            <a:r>
+              <a:rPr lang="es-CL" dirty="0" err="1"/>
+              <a:t>Learning</a:t>
+            </a:r>
+            <a:endParaRPr lang="es-CL" dirty="0"/>
+          </a:p>
+          <a:p>
+            <a:pPr lvl="2"/>
+            <a:r>
+              <a:rPr lang="es-CL" dirty="0" err="1"/>
+              <a:t>Unsupervised</a:t>
+            </a:r>
+            <a:r>
+              <a:rPr lang="es-CL" dirty="0"/>
               <a:t> </a:t>
             </a:r>
             <a:r>
               <a:rPr lang="es-CL" dirty="0" err="1" smtClean="0"/>
               <a:t>Learning</a:t>
             </a:r>
-            <a:endParaRPr lang="es-CL" dirty="0" smtClean="0"/>
-          </a:p>
-          <a:p>
-            <a:pPr lvl="2"/>
-            <a:r>
-              <a:rPr lang="es-CL" dirty="0" err="1" smtClean="0"/>
-              <a:t>Unsupervised</a:t>
-            </a:r>
-            <a:r>
-              <a:rPr lang="es-CL" dirty="0" smtClean="0"/>
-              <a:t> </a:t>
-            </a:r>
-            <a:r>
-              <a:rPr lang="es-CL" dirty="0" err="1" smtClean="0"/>
-              <a:t>Learning</a:t>
-            </a:r>
-            <a:endParaRPr lang="es-CL" dirty="0" smtClean="0"/>
-          </a:p>
-          <a:p>
-            <a:pPr lvl="1"/>
             <a:endParaRPr lang="es-CL" dirty="0"/>
           </a:p>
           <a:p>
@@ -3439,7 +3776,7 @@
     </p:spTree>
     <p:extLst>
       <p:ext uri="{BB962C8B-B14F-4D97-AF65-F5344CB8AC3E}">
-        <p14:creationId xmlns:p14="http://schemas.microsoft.com/office/powerpoint/2010/main" val="3726630538"/>
+        <p14:creationId xmlns:p14="http://schemas.microsoft.com/office/powerpoint/2010/main" val="1605835671"/>
       </p:ext>
     </p:extLst>
   </p:cSld>
@@ -3516,38 +3853,33 @@
           <a:lstStyle/>
           <a:p>
             <a:r>
+              <a:rPr lang="es-CL" dirty="0" err="1" smtClean="0"/>
+              <a:t>Supervised</a:t>
+            </a:r>
+            <a:r>
               <a:rPr lang="es-CL" dirty="0" smtClean="0"/>
-              <a:t>Deep </a:t>
+              <a:t> </a:t>
             </a:r>
             <a:r>
               <a:rPr lang="es-CL" dirty="0" err="1" smtClean="0"/>
               <a:t>Learning</a:t>
             </a:r>
-            <a:endParaRPr lang="es-CL" dirty="0" smtClean="0"/>
-          </a:p>
-          <a:p>
-            <a:pPr lvl="1"/>
-            <a:r>
-              <a:rPr lang="es-CL" dirty="0" err="1"/>
-              <a:t>Image</a:t>
-            </a:r>
-            <a:r>
-              <a:rPr lang="es-CL" dirty="0"/>
-              <a:t> </a:t>
-            </a:r>
-            <a:r>
-              <a:rPr lang="es-CL" dirty="0" err="1"/>
-              <a:t>Classification</a:t>
-            </a:r>
-            <a:r>
-              <a:rPr lang="es-CL" dirty="0"/>
-              <a:t> </a:t>
-            </a:r>
-            <a:r>
-              <a:rPr lang="es-CL" dirty="0" err="1"/>
-              <a:t>Algorithm</a:t>
-            </a:r>
-            <a:endParaRPr lang="es-CL" dirty="0"/>
+            <a:r>
+              <a:rPr lang="es-CL" dirty="0" smtClean="0"/>
+              <a:t>:</a:t>
+            </a:r>
+          </a:p>
+          <a:p>
+            <a:pPr lvl="1" fontAlgn="base"/>
+            <a:r>
+              <a:rPr lang="en-US" dirty="0"/>
+              <a:t>Linear </a:t>
+            </a:r>
+            <a:r>
+              <a:rPr lang="en-US" dirty="0" smtClean="0"/>
+              <a:t>regression</a:t>
+            </a:r>
+            <a:endParaRPr lang="en-US" dirty="0"/>
           </a:p>
           <a:p>
             <a:pPr marL="457200" lvl="1" indent="0">
@@ -3575,10 +3907,40 @@
           </a:p>
         </p:txBody>
       </p:sp>
+      <p:pic>
+        <p:nvPicPr>
+          <p:cNvPr id="5" name="Imagen 4"/>
+          <p:cNvPicPr>
+            <a:picLocks noChangeAspect="1"/>
+          </p:cNvPicPr>
+          <p:nvPr/>
+        </p:nvPicPr>
+        <p:blipFill>
+          <a:blip r:embed="rId2">
+            <a:extLst>
+              <a:ext uri="{28A0092B-C50C-407E-A947-70E740481C1C}">
+                <a14:useLocalDpi xmlns:a14="http://schemas.microsoft.com/office/drawing/2010/main" val="0"/>
+              </a:ext>
+            </a:extLst>
+          </a:blip>
+          <a:stretch>
+            <a:fillRect/>
+          </a:stretch>
+        </p:blipFill>
+        <p:spPr>
+          <a:xfrm>
+            <a:off x="2039274" y="2820995"/>
+            <a:ext cx="6367308" cy="3225434"/>
+          </a:xfrm>
+          <a:prstGeom prst="rect">
+            <a:avLst/>
+          </a:prstGeom>
+        </p:spPr>
+      </p:pic>
     </p:spTree>
     <p:extLst>
       <p:ext uri="{BB962C8B-B14F-4D97-AF65-F5344CB8AC3E}">
-        <p14:creationId xmlns:p14="http://schemas.microsoft.com/office/powerpoint/2010/main" val="3313352447"/>
+        <p14:creationId xmlns:p14="http://schemas.microsoft.com/office/powerpoint/2010/main" val="3726630538"/>
       </p:ext>
     </p:extLst>
   </p:cSld>
@@ -3614,6 +3976,33 @@
       </p:grpSpPr>
       <p:sp>
         <p:nvSpPr>
+          <p:cNvPr id="2" name="Título 1"/>
+          <p:cNvSpPr>
+            <a:spLocks noGrp="1"/>
+          </p:cNvSpPr>
+          <p:nvPr>
+            <p:ph type="title"/>
+          </p:nvPr>
+        </p:nvSpPr>
+        <p:spPr/>
+        <p:txBody>
+          <a:bodyPr/>
+          <a:lstStyle/>
+          <a:p>
+            <a:r>
+              <a:rPr lang="es-CL" dirty="0" smtClean="0"/>
+              <a:t>Machine </a:t>
+            </a:r>
+            <a:r>
+              <a:rPr lang="es-CL" dirty="0" err="1" smtClean="0"/>
+              <a:t>Learning</a:t>
+            </a:r>
+            <a:endParaRPr lang="es-CL" dirty="0"/>
+          </a:p>
+        </p:txBody>
+      </p:sp>
+      <p:sp>
+        <p:nvSpPr>
           <p:cNvPr id="3" name="Marcador de contenido 2"/>
           <p:cNvSpPr>
             <a:spLocks noGrp="1"/>
@@ -3628,53 +4017,513 @@
           <a:lstStyle/>
           <a:p>
             <a:r>
+              <a:rPr lang="es-CL" dirty="0" err="1" smtClean="0"/>
+              <a:t>Supervised</a:t>
+            </a:r>
+            <a:r>
               <a:rPr lang="es-CL" dirty="0" smtClean="0"/>
-              <a:t>AWS </a:t>
+              <a:t> </a:t>
             </a:r>
             <a:r>
               <a:rPr lang="es-CL" dirty="0" err="1" smtClean="0"/>
-              <a:t>SageMaker</a:t>
+              <a:t>Learning</a:t>
+            </a:r>
+            <a:r>
+              <a:rPr lang="es-CL" dirty="0" smtClean="0"/>
+              <a:t>:</a:t>
+            </a:r>
+          </a:p>
+          <a:p>
+            <a:pPr lvl="1" fontAlgn="base"/>
+            <a:r>
+              <a:rPr lang="en-US" dirty="0" smtClean="0"/>
+              <a:t>Image </a:t>
+            </a:r>
+            <a:r>
+              <a:rPr lang="en-US" dirty="0" err="1" smtClean="0"/>
+              <a:t>classificaction</a:t>
             </a:r>
             <a:endParaRPr lang="es-CL" dirty="0"/>
           </a:p>
-        </p:txBody>
-      </p:sp>
-      <p:sp>
-        <p:nvSpPr>
-          <p:cNvPr id="4" name="Título 1"/>
-          <p:cNvSpPr>
-            <a:spLocks noGrp="1"/>
-          </p:cNvSpPr>
-          <p:nvPr>
-            <p:ph type="title"/>
-          </p:nvPr>
-        </p:nvSpPr>
+          <a:p>
+            <a:pPr marL="914400" lvl="2" indent="0">
+              <a:buNone/>
+            </a:pPr>
+            <a:endParaRPr lang="es-CL" dirty="0" smtClean="0"/>
+          </a:p>
+          <a:p>
+            <a:pPr marL="914400" lvl="2" indent="0">
+              <a:buNone/>
+            </a:pPr>
+            <a:endParaRPr lang="es-CL" dirty="0"/>
+          </a:p>
+          <a:p>
+            <a:pPr marL="914400" lvl="2" indent="0">
+              <a:buNone/>
+            </a:pPr>
+            <a:endParaRPr lang="es-CL" dirty="0" smtClean="0"/>
+          </a:p>
+        </p:txBody>
+      </p:sp>
+      <p:pic>
+        <p:nvPicPr>
+          <p:cNvPr id="4" name="Imagen 3"/>
+          <p:cNvPicPr>
+            <a:picLocks noChangeAspect="1"/>
+          </p:cNvPicPr>
+          <p:nvPr/>
+        </p:nvPicPr>
+        <p:blipFill>
+          <a:blip r:embed="rId2">
+            <a:extLst>
+              <a:ext uri="{28A0092B-C50C-407E-A947-70E740481C1C}">
+                <a14:useLocalDpi xmlns:a14="http://schemas.microsoft.com/office/drawing/2010/main" val="0"/>
+              </a:ext>
+            </a:extLst>
+          </a:blip>
+          <a:stretch>
+            <a:fillRect/>
+          </a:stretch>
+        </p:blipFill>
         <p:spPr>
           <a:xfrm>
-            <a:off x="838200" y="341313"/>
-            <a:ext cx="10515600" cy="1325562"/>
+            <a:off x="2093657" y="2857653"/>
+            <a:ext cx="4764343" cy="3326217"/>
           </a:xfrm>
+          <a:prstGeom prst="rect">
+            <a:avLst/>
+          </a:prstGeom>
         </p:spPr>
-        <p:txBody>
-          <a:bodyPr/>
-          <a:lstStyle/>
-          <a:p>
-            <a:r>
-              <a:rPr lang="es-CL" dirty="0" smtClean="0"/>
-              <a:t>Machine </a:t>
-            </a:r>
-            <a:r>
-              <a:rPr lang="es-CL" dirty="0" err="1" smtClean="0"/>
-              <a:t>Learning</a:t>
-            </a:r>
-            <a:endParaRPr lang="es-CL" dirty="0"/>
-          </a:p>
-        </p:txBody>
-      </p:sp>
+      </p:pic>
     </p:spTree>
     <p:extLst>
       <p:ext uri="{BB962C8B-B14F-4D97-AF65-F5344CB8AC3E}">
-        <p14:creationId xmlns:p14="http://schemas.microsoft.com/office/powerpoint/2010/main" val="3280452622"/>
+        <p14:creationId xmlns:p14="http://schemas.microsoft.com/office/powerpoint/2010/main" val="2602016782"/>
+      </p:ext>
+    </p:extLst>
+  </p:cSld>
+  <p:clrMapOvr>
+    <a:masterClrMapping/>
+  </p:clrMapOvr>
+  <p:timing>
+    <p:tnLst>
+      <p:par>
+        <p:cTn id="1" dur="indefinite" restart="never" nodeType="tmRoot"/>
+      </p:par>
+    </p:tnLst>
+  </p:timing>
+</p:sld>
+</file>
+
+<file path=ppt/slides/slide7.xml><?xml version="1.0" encoding="utf-8"?>
+<p:sld xmlns:a="http://schemas.openxmlformats.org/drawingml/2006/main" xmlns:r="http://schemas.openxmlformats.org/officeDocument/2006/relationships" xmlns:p="http://schemas.openxmlformats.org/presentationml/2006/main">
+  <p:cSld>
+    <p:spTree>
+      <p:nvGrpSpPr>
+        <p:cNvPr id="1" name=""/>
+        <p:cNvGrpSpPr/>
+        <p:nvPr/>
+      </p:nvGrpSpPr>
+      <p:grpSpPr>
+        <a:xfrm>
+          <a:off x="0" y="0"/>
+          <a:ext cx="0" cy="0"/>
+          <a:chOff x="0" y="0"/>
+          <a:chExt cx="0" cy="0"/>
+        </a:xfrm>
+      </p:grpSpPr>
+      <p:sp>
+        <p:nvSpPr>
+          <p:cNvPr id="2" name="Título 1"/>
+          <p:cNvSpPr>
+            <a:spLocks noGrp="1"/>
+          </p:cNvSpPr>
+          <p:nvPr>
+            <p:ph type="title"/>
+          </p:nvPr>
+        </p:nvSpPr>
+        <p:spPr/>
+        <p:txBody>
+          <a:bodyPr/>
+          <a:lstStyle/>
+          <a:p>
+            <a:r>
+              <a:rPr lang="es-CL" dirty="0" smtClean="0"/>
+              <a:t>Machine </a:t>
+            </a:r>
+            <a:r>
+              <a:rPr lang="es-CL" dirty="0" err="1" smtClean="0"/>
+              <a:t>Learning</a:t>
+            </a:r>
+            <a:endParaRPr lang="es-CL" dirty="0"/>
+          </a:p>
+        </p:txBody>
+      </p:sp>
+      <p:sp>
+        <p:nvSpPr>
+          <p:cNvPr id="3" name="Marcador de contenido 2"/>
+          <p:cNvSpPr>
+            <a:spLocks noGrp="1"/>
+          </p:cNvSpPr>
+          <p:nvPr>
+            <p:ph idx="1"/>
+          </p:nvPr>
+        </p:nvSpPr>
+        <p:spPr/>
+        <p:txBody>
+          <a:bodyPr/>
+          <a:lstStyle/>
+          <a:p>
+            <a:r>
+              <a:rPr lang="es-CL" dirty="0" err="1" smtClean="0"/>
+              <a:t>Unsupervised</a:t>
+            </a:r>
+            <a:r>
+              <a:rPr lang="es-CL" dirty="0" smtClean="0"/>
+              <a:t> </a:t>
+            </a:r>
+            <a:r>
+              <a:rPr lang="es-CL" dirty="0" err="1" smtClean="0"/>
+              <a:t>Learning</a:t>
+            </a:r>
+            <a:endParaRPr lang="es-CL" dirty="0" smtClean="0"/>
+          </a:p>
+          <a:p>
+            <a:pPr lvl="1"/>
+            <a:r>
+              <a:rPr lang="es-CL" dirty="0" smtClean="0"/>
+              <a:t>K-</a:t>
+            </a:r>
+            <a:r>
+              <a:rPr lang="es-CL" dirty="0" err="1" smtClean="0"/>
+              <a:t>Means</a:t>
+            </a:r>
+            <a:endParaRPr lang="es-CL" dirty="0" smtClean="0"/>
+          </a:p>
+          <a:p>
+            <a:pPr marL="457200" lvl="1" indent="0">
+              <a:buNone/>
+            </a:pPr>
+            <a:endParaRPr lang="es-CL" dirty="0" smtClean="0"/>
+          </a:p>
+          <a:p>
+            <a:pPr lvl="1"/>
+            <a:endParaRPr lang="es-CL" dirty="0"/>
+          </a:p>
+          <a:p>
+            <a:pPr marL="914400" lvl="2" indent="0">
+              <a:buNone/>
+            </a:pPr>
+            <a:endParaRPr lang="es-CL" dirty="0" smtClean="0"/>
+          </a:p>
+          <a:p>
+            <a:pPr marL="914400" lvl="2" indent="0">
+              <a:buNone/>
+            </a:pPr>
+            <a:endParaRPr lang="es-CL" dirty="0"/>
+          </a:p>
+          <a:p>
+            <a:pPr marL="914400" lvl="2" indent="0">
+              <a:buNone/>
+            </a:pPr>
+            <a:endParaRPr lang="es-CL" dirty="0" smtClean="0"/>
+          </a:p>
+        </p:txBody>
+      </p:sp>
+      <p:pic>
+        <p:nvPicPr>
+          <p:cNvPr id="4" name="Imagen 3"/>
+          <p:cNvPicPr>
+            <a:picLocks noChangeAspect="1"/>
+          </p:cNvPicPr>
+          <p:nvPr/>
+        </p:nvPicPr>
+        <p:blipFill>
+          <a:blip r:embed="rId2">
+            <a:extLst>
+              <a:ext uri="{28A0092B-C50C-407E-A947-70E740481C1C}">
+                <a14:useLocalDpi xmlns:a14="http://schemas.microsoft.com/office/drawing/2010/main" val="0"/>
+              </a:ext>
+            </a:extLst>
+          </a:blip>
+          <a:stretch>
+            <a:fillRect/>
+          </a:stretch>
+        </p:blipFill>
+        <p:spPr>
+          <a:xfrm>
+            <a:off x="1847850" y="2933699"/>
+            <a:ext cx="6667500" cy="2819400"/>
+          </a:xfrm>
+          <a:prstGeom prst="rect">
+            <a:avLst/>
+          </a:prstGeom>
+        </p:spPr>
+      </p:pic>
+    </p:spTree>
+    <p:extLst>
+      <p:ext uri="{BB962C8B-B14F-4D97-AF65-F5344CB8AC3E}">
+        <p14:creationId xmlns:p14="http://schemas.microsoft.com/office/powerpoint/2010/main" val="172207551"/>
+      </p:ext>
+    </p:extLst>
+  </p:cSld>
+  <p:clrMapOvr>
+    <a:masterClrMapping/>
+  </p:clrMapOvr>
+  <p:timing>
+    <p:tnLst>
+      <p:par>
+        <p:cTn id="1" dur="indefinite" restart="never" nodeType="tmRoot"/>
+      </p:par>
+    </p:tnLst>
+  </p:timing>
+</p:sld>
+</file>
+
+<file path=ppt/slides/slide8.xml><?xml version="1.0" encoding="utf-8"?>
+<p:sld xmlns:a="http://schemas.openxmlformats.org/drawingml/2006/main" xmlns:r="http://schemas.openxmlformats.org/officeDocument/2006/relationships" xmlns:p="http://schemas.openxmlformats.org/presentationml/2006/main">
+  <p:cSld>
+    <p:spTree>
+      <p:nvGrpSpPr>
+        <p:cNvPr id="1" name=""/>
+        <p:cNvGrpSpPr/>
+        <p:nvPr/>
+      </p:nvGrpSpPr>
+      <p:grpSpPr>
+        <a:xfrm>
+          <a:off x="0" y="0"/>
+          <a:ext cx="0" cy="0"/>
+          <a:chOff x="0" y="0"/>
+          <a:chExt cx="0" cy="0"/>
+        </a:xfrm>
+      </p:grpSpPr>
+      <p:sp>
+        <p:nvSpPr>
+          <p:cNvPr id="2" name="Título 1"/>
+          <p:cNvSpPr>
+            <a:spLocks noGrp="1"/>
+          </p:cNvSpPr>
+          <p:nvPr>
+            <p:ph type="title"/>
+          </p:nvPr>
+        </p:nvSpPr>
+        <p:spPr/>
+        <p:txBody>
+          <a:bodyPr/>
+          <a:lstStyle/>
+          <a:p>
+            <a:r>
+              <a:rPr lang="es-CL" dirty="0" smtClean="0"/>
+              <a:t>AWS </a:t>
+            </a:r>
+            <a:r>
+              <a:rPr lang="es-CL" dirty="0" err="1" smtClean="0"/>
+              <a:t>SageMaker</a:t>
+            </a:r>
+            <a:endParaRPr lang="es-CL" dirty="0"/>
+          </a:p>
+        </p:txBody>
+      </p:sp>
+      <p:sp>
+        <p:nvSpPr>
+          <p:cNvPr id="3" name="Marcador de contenido 2"/>
+          <p:cNvSpPr>
+            <a:spLocks noGrp="1"/>
+          </p:cNvSpPr>
+          <p:nvPr>
+            <p:ph idx="1"/>
+          </p:nvPr>
+        </p:nvSpPr>
+        <p:spPr/>
+        <p:txBody>
+          <a:bodyPr/>
+          <a:lstStyle/>
+          <a:p>
+            <a:r>
+              <a:rPr lang="es-CL" dirty="0" smtClean="0"/>
+              <a:t>Machine </a:t>
+            </a:r>
+            <a:r>
+              <a:rPr lang="es-CL" dirty="0" err="1" smtClean="0"/>
+              <a:t>Learning</a:t>
+            </a:r>
+            <a:r>
+              <a:rPr lang="es-CL" dirty="0" smtClean="0"/>
+              <a:t> </a:t>
+            </a:r>
+            <a:r>
+              <a:rPr lang="es-CL" dirty="0" err="1" smtClean="0"/>
+              <a:t>Serivice</a:t>
+            </a:r>
+            <a:endParaRPr lang="es-CL" dirty="0" smtClean="0"/>
+          </a:p>
+          <a:p>
+            <a:pPr lvl="1"/>
+            <a:r>
+              <a:rPr lang="es-CL" dirty="0" err="1" smtClean="0"/>
+              <a:t>Integrated</a:t>
+            </a:r>
+            <a:r>
+              <a:rPr lang="es-CL" dirty="0" smtClean="0"/>
+              <a:t> </a:t>
+            </a:r>
+            <a:r>
+              <a:rPr lang="es-CL" dirty="0" err="1" smtClean="0"/>
+              <a:t>Jupyter</a:t>
+            </a:r>
+            <a:r>
+              <a:rPr lang="es-CL" dirty="0" smtClean="0"/>
+              <a:t> notebook</a:t>
+            </a:r>
+          </a:p>
+          <a:p>
+            <a:pPr lvl="1"/>
+            <a:r>
+              <a:rPr lang="es-CL" dirty="0" err="1" smtClean="0"/>
+              <a:t>Common</a:t>
+            </a:r>
+            <a:r>
+              <a:rPr lang="es-CL" dirty="0" smtClean="0"/>
+              <a:t> Machine </a:t>
+            </a:r>
+            <a:r>
+              <a:rPr lang="es-CL" dirty="0" err="1" smtClean="0"/>
+              <a:t>Learning</a:t>
+            </a:r>
+            <a:r>
+              <a:rPr lang="es-CL" dirty="0" smtClean="0"/>
+              <a:t> </a:t>
+            </a:r>
+            <a:r>
+              <a:rPr lang="es-CL" dirty="0" err="1" smtClean="0"/>
+              <a:t>algorithm</a:t>
+            </a:r>
+            <a:r>
+              <a:rPr lang="es-CL" dirty="0" smtClean="0"/>
+              <a:t> (Optimizados para AWS)</a:t>
+            </a:r>
+          </a:p>
+          <a:p>
+            <a:pPr lvl="1"/>
+            <a:r>
+              <a:rPr lang="es-CL" dirty="0" smtClean="0"/>
+              <a:t>Facturación por min de uso</a:t>
+            </a:r>
+            <a:endParaRPr lang="es-CL" dirty="0"/>
+          </a:p>
+          <a:p>
+            <a:pPr marL="914400" lvl="2" indent="0">
+              <a:buNone/>
+            </a:pPr>
+            <a:endParaRPr lang="es-CL" dirty="0" smtClean="0"/>
+          </a:p>
+          <a:p>
+            <a:pPr marL="914400" lvl="2" indent="0">
+              <a:buNone/>
+            </a:pPr>
+            <a:endParaRPr lang="es-CL" dirty="0"/>
+          </a:p>
+          <a:p>
+            <a:pPr marL="914400" lvl="2" indent="0">
+              <a:buNone/>
+            </a:pPr>
+            <a:endParaRPr lang="es-CL" dirty="0" smtClean="0"/>
+          </a:p>
+        </p:txBody>
+      </p:sp>
+    </p:spTree>
+    <p:extLst>
+      <p:ext uri="{BB962C8B-B14F-4D97-AF65-F5344CB8AC3E}">
+        <p14:creationId xmlns:p14="http://schemas.microsoft.com/office/powerpoint/2010/main" val="3313352447"/>
+      </p:ext>
+    </p:extLst>
+  </p:cSld>
+  <p:clrMapOvr>
+    <a:masterClrMapping/>
+  </p:clrMapOvr>
+  <p:timing>
+    <p:tnLst>
+      <p:par>
+        <p:cTn id="1" dur="indefinite" restart="never" nodeType="tmRoot"/>
+      </p:par>
+    </p:tnLst>
+  </p:timing>
+</p:sld>
+</file>
+
+<file path=ppt/slides/slide9.xml><?xml version="1.0" encoding="utf-8"?>
+<p:sld xmlns:a="http://schemas.openxmlformats.org/drawingml/2006/main" xmlns:r="http://schemas.openxmlformats.org/officeDocument/2006/relationships" xmlns:p="http://schemas.openxmlformats.org/presentationml/2006/main">
+  <p:cSld>
+    <p:spTree>
+      <p:nvGrpSpPr>
+        <p:cNvPr id="1" name=""/>
+        <p:cNvGrpSpPr/>
+        <p:nvPr/>
+      </p:nvGrpSpPr>
+      <p:grpSpPr>
+        <a:xfrm>
+          <a:off x="0" y="0"/>
+          <a:ext cx="0" cy="0"/>
+          <a:chOff x="0" y="0"/>
+          <a:chExt cx="0" cy="0"/>
+        </a:xfrm>
+      </p:grpSpPr>
+      <p:sp>
+        <p:nvSpPr>
+          <p:cNvPr id="2" name="Título 1"/>
+          <p:cNvSpPr>
+            <a:spLocks noGrp="1"/>
+          </p:cNvSpPr>
+          <p:nvPr>
+            <p:ph type="title"/>
+          </p:nvPr>
+        </p:nvSpPr>
+        <p:spPr/>
+        <p:txBody>
+          <a:bodyPr/>
+          <a:lstStyle/>
+          <a:p>
+            <a:r>
+              <a:rPr lang="es-CL" dirty="0" smtClean="0"/>
+              <a:t>TALLER</a:t>
+            </a:r>
+            <a:endParaRPr lang="es-CL" dirty="0"/>
+          </a:p>
+        </p:txBody>
+      </p:sp>
+      <p:pic>
+        <p:nvPicPr>
+          <p:cNvPr id="4" name="Marcador de contenido 3"/>
+          <p:cNvPicPr>
+            <a:picLocks noGrp="1" noChangeAspect="1"/>
+          </p:cNvPicPr>
+          <p:nvPr>
+            <p:ph idx="1"/>
+          </p:nvPr>
+        </p:nvPicPr>
+        <p:blipFill>
+          <a:blip r:embed="rId2">
+            <a:extLst>
+              <a:ext uri="{28A0092B-C50C-407E-A947-70E740481C1C}">
+                <a14:useLocalDpi xmlns:a14="http://schemas.microsoft.com/office/drawing/2010/main" val="0"/>
+              </a:ext>
+            </a:extLst>
+          </a:blip>
+          <a:stretch>
+            <a:fillRect/>
+          </a:stretch>
+        </p:blipFill>
+        <p:spPr>
+          <a:xfrm>
+            <a:off x="1001405" y="2247465"/>
+            <a:ext cx="9948601" cy="3283180"/>
+          </a:xfrm>
+        </p:spPr>
+      </p:pic>
+    </p:spTree>
+    <p:extLst>
+      <p:ext uri="{BB962C8B-B14F-4D97-AF65-F5344CB8AC3E}">
+        <p14:creationId xmlns:p14="http://schemas.microsoft.com/office/powerpoint/2010/main" val="2987205626"/>
       </p:ext>
     </p:extLst>
   </p:cSld>

--- a/Image clasification multilabel.pptx
+++ b/Image clasification multilabel.pptx
@@ -251,7 +251,7 @@
           <a:p>
             <a:fld id="{EE1D1D0C-BBF0-4890-A8A4-FA5AD79CDE68}" type="datetimeFigureOut">
               <a:rPr lang="es-CL" smtClean="0"/>
-              <a:t>16-08-2020</a:t>
+              <a:t>22-08-2020</a:t>
             </a:fld>
             <a:endParaRPr lang="es-CL"/>
           </a:p>
@@ -421,7 +421,7 @@
           <a:p>
             <a:fld id="{EE1D1D0C-BBF0-4890-A8A4-FA5AD79CDE68}" type="datetimeFigureOut">
               <a:rPr lang="es-CL" smtClean="0"/>
-              <a:t>16-08-2020</a:t>
+              <a:t>22-08-2020</a:t>
             </a:fld>
             <a:endParaRPr lang="es-CL"/>
           </a:p>
@@ -601,7 +601,7 @@
           <a:p>
             <a:fld id="{EE1D1D0C-BBF0-4890-A8A4-FA5AD79CDE68}" type="datetimeFigureOut">
               <a:rPr lang="es-CL" smtClean="0"/>
-              <a:t>16-08-2020</a:t>
+              <a:t>22-08-2020</a:t>
             </a:fld>
             <a:endParaRPr lang="es-CL"/>
           </a:p>
@@ -842,7 +842,7 @@
           <a:p>
             <a:fld id="{EE1D1D0C-BBF0-4890-A8A4-FA5AD79CDE68}" type="datetimeFigureOut">
               <a:rPr lang="es-CL" smtClean="0"/>
-              <a:t>16-08-2020</a:t>
+              <a:t>22-08-2020</a:t>
             </a:fld>
             <a:endParaRPr lang="es-CL"/>
           </a:p>
@@ -1088,7 +1088,7 @@
           <a:p>
             <a:fld id="{EE1D1D0C-BBF0-4890-A8A4-FA5AD79CDE68}" type="datetimeFigureOut">
               <a:rPr lang="es-CL" smtClean="0"/>
-              <a:t>16-08-2020</a:t>
+              <a:t>22-08-2020</a:t>
             </a:fld>
             <a:endParaRPr lang="es-CL"/>
           </a:p>
@@ -1386,7 +1386,7 @@
           <a:p>
             <a:fld id="{EE1D1D0C-BBF0-4890-A8A4-FA5AD79CDE68}" type="datetimeFigureOut">
               <a:rPr lang="es-CL" smtClean="0"/>
-              <a:t>16-08-2020</a:t>
+              <a:t>22-08-2020</a:t>
             </a:fld>
             <a:endParaRPr lang="es-CL"/>
           </a:p>
@@ -1819,7 +1819,7 @@
           <a:p>
             <a:fld id="{EE1D1D0C-BBF0-4890-A8A4-FA5AD79CDE68}" type="datetimeFigureOut">
               <a:rPr lang="es-CL" smtClean="0"/>
-              <a:t>16-08-2020</a:t>
+              <a:t>22-08-2020</a:t>
             </a:fld>
             <a:endParaRPr lang="es-CL"/>
           </a:p>
@@ -2003,7 +2003,7 @@
           <a:p>
             <a:fld id="{EE1D1D0C-BBF0-4890-A8A4-FA5AD79CDE68}" type="datetimeFigureOut">
               <a:rPr lang="es-CL" smtClean="0"/>
-              <a:t>16-08-2020</a:t>
+              <a:t>22-08-2020</a:t>
             </a:fld>
             <a:endParaRPr lang="es-CL"/>
           </a:p>
@@ -2098,7 +2098,7 @@
           <a:p>
             <a:fld id="{EE1D1D0C-BBF0-4890-A8A4-FA5AD79CDE68}" type="datetimeFigureOut">
               <a:rPr lang="es-CL" smtClean="0"/>
-              <a:t>16-08-2020</a:t>
+              <a:t>22-08-2020</a:t>
             </a:fld>
             <a:endParaRPr lang="es-CL"/>
           </a:p>
@@ -2375,7 +2375,7 @@
           <a:p>
             <a:fld id="{EE1D1D0C-BBF0-4890-A8A4-FA5AD79CDE68}" type="datetimeFigureOut">
               <a:rPr lang="es-CL" smtClean="0"/>
-              <a:t>16-08-2020</a:t>
+              <a:t>22-08-2020</a:t>
             </a:fld>
             <a:endParaRPr lang="es-CL"/>
           </a:p>
@@ -2628,7 +2628,7 @@
           <a:p>
             <a:fld id="{EE1D1D0C-BBF0-4890-A8A4-FA5AD79CDE68}" type="datetimeFigureOut">
               <a:rPr lang="es-CL" smtClean="0"/>
-              <a:t>16-08-2020</a:t>
+              <a:t>22-08-2020</a:t>
             </a:fld>
             <a:endParaRPr lang="es-CL"/>
           </a:p>
@@ -2851,7 +2851,7 @@
           <a:p>
             <a:fld id="{EE1D1D0C-BBF0-4890-A8A4-FA5AD79CDE68}" type="datetimeFigureOut">
               <a:rPr lang="es-CL" smtClean="0"/>
-              <a:t>16-08-2020</a:t>
+              <a:t>22-08-2020</a:t>
             </a:fld>
             <a:endParaRPr lang="es-CL"/>
           </a:p>
@@ -3486,7 +3486,6 @@
               <a:rPr lang="es-CL" sz="4800" dirty="0" smtClean="0"/>
               <a:t>! dale</a:t>
             </a:r>
-            <a:endParaRPr lang="es-CL" sz="4800" dirty="0" smtClean="0"/>
           </a:p>
           <a:p>
             <a:endParaRPr lang="es-CL" dirty="0"/>
@@ -3570,18 +3569,44 @@
           <a:p>
             <a:r>
               <a:rPr lang="es-CL" dirty="0" smtClean="0"/>
-              <a:t>Machine </a:t>
+              <a:t>Mi idea:</a:t>
+            </a:r>
+          </a:p>
+          <a:p>
+            <a:pPr marL="457200" lvl="1" indent="0">
+              <a:buNone/>
+            </a:pPr>
+            <a:r>
+              <a:rPr lang="es-CL" dirty="0" smtClean="0"/>
+              <a:t> Machine </a:t>
             </a:r>
             <a:r>
               <a:rPr lang="es-CL" dirty="0" err="1" smtClean="0"/>
               <a:t>Learning</a:t>
             </a:r>
-            <a:endParaRPr lang="es-CL" dirty="0"/>
-          </a:p>
-          <a:p>
+            <a:endParaRPr lang="es-CL" dirty="0" smtClean="0"/>
+          </a:p>
+          <a:p>
+            <a:pPr marL="914400" lvl="2" indent="0">
+              <a:buNone/>
+            </a:pPr>
+            <a:r>
+              <a:rPr lang="es-CL" sz="2800" b="1" dirty="0"/>
+              <a:t> </a:t>
+            </a:r>
+            <a:r>
+              <a:rPr lang="es-CL" sz="2800" b="1" dirty="0" smtClean="0"/>
+              <a:t>     +</a:t>
+            </a:r>
+            <a:endParaRPr lang="es-CL" sz="2800" b="1" dirty="0"/>
+          </a:p>
+          <a:p>
+            <a:pPr marL="457200" lvl="1" indent="0">
+              <a:buNone/>
+            </a:pPr>
             <a:r>
               <a:rPr lang="es-CL" dirty="0" smtClean="0"/>
-              <a:t>AWS </a:t>
+              <a:t> AWS </a:t>
             </a:r>
             <a:r>
               <a:rPr lang="es-CL" dirty="0" err="1" smtClean="0"/>
@@ -3677,20 +3702,12 @@
           <a:lstStyle/>
           <a:p>
             <a:r>
-              <a:rPr lang="es-CL" dirty="0" err="1" smtClean="0"/>
-              <a:t>What</a:t>
-            </a:r>
-            <a:r>
               <a:rPr lang="es-CL" dirty="0" smtClean="0"/>
-              <a:t> </a:t>
-            </a:r>
-            <a:r>
-              <a:rPr lang="es-CL" dirty="0" err="1" smtClean="0"/>
-              <a:t>is</a:t>
+              <a:t>Que es </a:t>
             </a:r>
             <a:r>
               <a:rPr lang="es-CL" dirty="0" smtClean="0"/>
-              <a:t> Machine </a:t>
+              <a:t>Machine </a:t>
             </a:r>
             <a:r>
               <a:rPr lang="es-CL" dirty="0" err="1" smtClean="0"/>
@@ -3707,6 +3724,12 @@
             <a:endParaRPr lang="es-CL" sz="2000" dirty="0" smtClean="0"/>
           </a:p>
           <a:p>
+            <a:endParaRPr lang="es-CL" dirty="0" smtClean="0"/>
+          </a:p>
+          <a:p>
+            <a:endParaRPr lang="es-CL" dirty="0" smtClean="0"/>
+          </a:p>
+          <a:p>
             <a:endParaRPr lang="es-CL" dirty="0"/>
           </a:p>
           <a:p>
@@ -3724,33 +3747,27 @@
           <a:p>
             <a:pPr lvl="2"/>
             <a:r>
-              <a:rPr lang="es-CL" dirty="0" err="1"/>
-              <a:t>Supervised</a:t>
-            </a:r>
+              <a:rPr lang="es-CL" dirty="0" smtClean="0"/>
+              <a:t>Aprendizaje Supervisado</a:t>
+            </a:r>
+            <a:endParaRPr lang="es-CL" dirty="0"/>
+          </a:p>
+          <a:p>
+            <a:pPr lvl="2"/>
             <a:r>
               <a:rPr lang="es-CL" dirty="0"/>
-              <a:t> </a:t>
-            </a:r>
-            <a:r>
-              <a:rPr lang="es-CL" dirty="0" err="1"/>
-              <a:t>Learning</a:t>
-            </a:r>
-            <a:endParaRPr lang="es-CL" dirty="0"/>
-          </a:p>
-          <a:p>
-            <a:pPr lvl="2"/>
-            <a:r>
-              <a:rPr lang="es-CL" dirty="0" err="1"/>
-              <a:t>Unsupervised</a:t>
-            </a:r>
-            <a:r>
-              <a:rPr lang="es-CL" dirty="0"/>
-              <a:t> </a:t>
-            </a:r>
-            <a:r>
-              <a:rPr lang="es-CL" dirty="0" err="1" smtClean="0"/>
-              <a:t>Learning</a:t>
-            </a:r>
+              <a:t>Aprendizaje </a:t>
+            </a:r>
+            <a:r>
+              <a:rPr lang="es-CL" dirty="0" smtClean="0"/>
+              <a:t>No Supervisado</a:t>
+            </a:r>
+            <a:endParaRPr lang="es-CL" dirty="0" smtClean="0"/>
+          </a:p>
+          <a:p>
+            <a:pPr marL="914400" lvl="2" indent="0">
+              <a:buNone/>
+            </a:pPr>
             <a:endParaRPr lang="es-CL" dirty="0"/>
           </a:p>
           <a:p>
@@ -3759,20 +3776,38 @@
             </a:pPr>
             <a:endParaRPr lang="es-CL" dirty="0" smtClean="0"/>
           </a:p>
-          <a:p>
-            <a:pPr marL="914400" lvl="2" indent="0">
-              <a:buNone/>
-            </a:pPr>
-            <a:endParaRPr lang="es-CL" dirty="0"/>
-          </a:p>
-          <a:p>
-            <a:pPr marL="914400" lvl="2" indent="0">
-              <a:buNone/>
-            </a:pPr>
-            <a:endParaRPr lang="es-CL" dirty="0" smtClean="0"/>
-          </a:p>
-        </p:txBody>
-      </p:sp>
+        </p:txBody>
+      </p:sp>
+      <p:pic>
+        <p:nvPicPr>
+          <p:cNvPr id="4" name="Imagen 3"/>
+          <p:cNvPicPr>
+            <a:picLocks noChangeAspect="1"/>
+          </p:cNvPicPr>
+          <p:nvPr/>
+        </p:nvPicPr>
+        <p:blipFill>
+          <a:blip r:embed="rId2">
+            <a:extLst>
+              <a:ext uri="{28A0092B-C50C-407E-A947-70E740481C1C}">
+                <a14:useLocalDpi xmlns:a14="http://schemas.microsoft.com/office/drawing/2010/main" val="0"/>
+              </a:ext>
+            </a:extLst>
+          </a:blip>
+          <a:stretch>
+            <a:fillRect/>
+          </a:stretch>
+        </p:blipFill>
+        <p:spPr>
+          <a:xfrm>
+            <a:off x="5667391" y="2967037"/>
+            <a:ext cx="4346764" cy="2533650"/>
+          </a:xfrm>
+          <a:prstGeom prst="rect">
+            <a:avLst/>
+          </a:prstGeom>
+        </p:spPr>
+      </p:pic>
     </p:spTree>
     <p:extLst>
       <p:ext uri="{BB962C8B-B14F-4D97-AF65-F5344CB8AC3E}">
@@ -3853,6 +3888,10 @@
           <a:lstStyle/>
           <a:p>
             <a:r>
+              <a:rPr lang="es-CL" dirty="0" smtClean="0"/>
+              <a:t>Aprendizaje supervisado (</a:t>
+            </a:r>
+            <a:r>
               <a:rPr lang="es-CL" dirty="0" err="1" smtClean="0"/>
               <a:t>Supervised</a:t>
             </a:r>
@@ -3866,8 +3905,9 @@
             </a:r>
             <a:r>
               <a:rPr lang="es-CL" dirty="0" smtClean="0"/>
-              <a:t>:</a:t>
-            </a:r>
+              <a:t>):</a:t>
+            </a:r>
+            <a:endParaRPr lang="es-CL" dirty="0" smtClean="0"/>
           </a:p>
           <a:p>
             <a:pPr lvl="1" fontAlgn="base"/>
@@ -3877,7 +3917,39 @@
             </a:r>
             <a:r>
               <a:rPr lang="en-US" dirty="0" smtClean="0"/>
-              <a:t>regression</a:t>
+              <a:t>regression – </a:t>
+            </a:r>
+            <a:r>
+              <a:rPr lang="en-US" dirty="0" err="1" smtClean="0"/>
+              <a:t>Regresión</a:t>
+            </a:r>
+            <a:r>
+              <a:rPr lang="en-US" dirty="0" smtClean="0"/>
+              <a:t> </a:t>
+            </a:r>
+            <a:r>
+              <a:rPr lang="en-US" dirty="0" err="1" smtClean="0"/>
+              <a:t>en</a:t>
+            </a:r>
+            <a:r>
+              <a:rPr lang="en-US" dirty="0" smtClean="0"/>
+              <a:t> </a:t>
+            </a:r>
+            <a:r>
+              <a:rPr lang="en-US" dirty="0" err="1" smtClean="0"/>
+              <a:t>dónde</a:t>
+            </a:r>
+            <a:r>
+              <a:rPr lang="en-US" dirty="0" smtClean="0"/>
+              <a:t>  se </a:t>
+            </a:r>
+            <a:r>
+              <a:rPr lang="en-US" dirty="0" err="1" smtClean="0"/>
+              <a:t>predice</a:t>
+            </a:r>
+            <a:r>
+              <a:rPr lang="en-US" dirty="0" smtClean="0"/>
+              <a:t> un valor</a:t>
             </a:r>
             <a:endParaRPr lang="en-US" dirty="0"/>
           </a:p>
@@ -3929,7 +4001,7 @@
         </p:blipFill>
         <p:spPr>
           <a:xfrm>
-            <a:off x="2039274" y="2820995"/>
+            <a:off x="2053562" y="2949587"/>
             <a:ext cx="6367308" cy="3225434"/>
           </a:xfrm>
           <a:prstGeom prst="rect">
@@ -4017,20 +4089,32 @@
           <a:lstStyle/>
           <a:p>
             <a:r>
-              <a:rPr lang="es-CL" dirty="0" err="1" smtClean="0"/>
+              <a:rPr lang="es-CL" dirty="0"/>
+              <a:t>Aprendizaje </a:t>
+            </a:r>
+            <a:r>
+              <a:rPr lang="es-CL" dirty="0" smtClean="0"/>
+              <a:t>supervisado </a:t>
+            </a:r>
+            <a:r>
+              <a:rPr lang="es-CL" dirty="0"/>
+              <a:t>(</a:t>
+            </a:r>
+            <a:r>
+              <a:rPr lang="es-CL" dirty="0" err="1"/>
               <a:t>Supervised</a:t>
             </a:r>
             <a:r>
-              <a:rPr lang="es-CL" dirty="0" smtClean="0"/>
+              <a:rPr lang="es-CL" dirty="0"/>
               <a:t> </a:t>
             </a:r>
             <a:r>
-              <a:rPr lang="es-CL" dirty="0" err="1" smtClean="0"/>
+              <a:rPr lang="es-CL" dirty="0" err="1"/>
               <a:t>Learning</a:t>
             </a:r>
             <a:r>
-              <a:rPr lang="es-CL" dirty="0" smtClean="0"/>
-              <a:t>:</a:t>
+              <a:rPr lang="es-CL" dirty="0"/>
+              <a:t>):</a:t>
             </a:r>
           </a:p>
           <a:p>
@@ -4175,6 +4259,14 @@
           <a:lstStyle/>
           <a:p>
             <a:r>
+              <a:rPr lang="es-CL" dirty="0"/>
+              <a:t>Aprendizaje </a:t>
+            </a:r>
+            <a:r>
+              <a:rPr lang="es-CL" dirty="0" smtClean="0"/>
+              <a:t>No supervisado (</a:t>
+            </a:r>
+            <a:r>
               <a:rPr lang="es-CL" dirty="0" err="1" smtClean="0"/>
               <a:t>Unsupervised</a:t>
             </a:r>
@@ -4185,6 +4277,10 @@
             <a:r>
               <a:rPr lang="es-CL" dirty="0" err="1" smtClean="0"/>
               <a:t>Learning</a:t>
+            </a:r>
+            <a:r>
+              <a:rPr lang="es-CL" dirty="0" smtClean="0"/>
+              <a:t>)</a:t>
             </a:r>
             <a:endParaRPr lang="es-CL" dirty="0" smtClean="0"/>
           </a:p>
